--- a/Gandhinagar/Sem_1/S4_FDSML - Fundamentals of Data Science and Machine Learning/FDSML_Notes/Unit_5.pptx
+++ b/Gandhinagar/Sem_1/S4_FDSML - Fundamentals of Data Science and Machine Learning/FDSML_Notes/Unit_5.pptx
@@ -251,8 +251,11 @@
     </a:lvl9pPr>
   </p:defaultTextStyle>
   <p:extLst>
+    <p:ext uri="{EFAFB233-063F-42B5-8137-9DF3F51BA10A}">
+      <p15:sldGuideLst xmlns:p15="http://schemas.microsoft.com/office/powerpoint/2012/main"/>
+    </p:ext>
     <p:ext uri="GoogleSlidesCustomDataVersion2">
-      <go:slidesCustomData xmlns:go="http://customooxmlschemas.google.com/" xmlns:ahyp="http://schemas.microsoft.com/office/drawing/2018/hyperlinkcolor" xmlns:p15="http://schemas.microsoft.com/office/powerpoint/2012/main" xmlns:p14="http://schemas.microsoft.com/office/powerpoint/2010/main" xmlns:com="http://schemas.openxmlformats.org/drawingml/2006/compatibility" xmlns:pvml="urn:schemas-microsoft-com:office:powerpoint" xmlns:v="urn:schemas-microsoft-com:vml" xmlns:o="urn:schemas-microsoft-com:office:office" xmlns:dgm="http://schemas.openxmlformats.org/drawingml/2006/diagram" xmlns:c="http://schemas.openxmlformats.org/drawingml/2006/chart" xmlns:mv="urn:schemas-microsoft-com:mac:vml" xmlns:mc="http://schemas.openxmlformats.org/markup-compatibility/2006" xmlns="" r:id="rId16" roundtripDataSignature="AMtx7mhWfYKMs6H9EwYAANNxL/XJHINBbA=="/>
+      <go:slidesCustomData xmlns="" xmlns:mc="http://schemas.openxmlformats.org/markup-compatibility/2006" xmlns:mv="urn:schemas-microsoft-com:mac:vml" xmlns:c="http://schemas.openxmlformats.org/drawingml/2006/chart" xmlns:dgm="http://schemas.openxmlformats.org/drawingml/2006/diagram" xmlns:o="urn:schemas-microsoft-com:office:office" xmlns:v="urn:schemas-microsoft-com:vml" xmlns:pvml="urn:schemas-microsoft-com:office:powerpoint" xmlns:com="http://schemas.openxmlformats.org/drawingml/2006/compatibility" xmlns:p14="http://schemas.microsoft.com/office/powerpoint/2010/main" xmlns:p15="http://schemas.microsoft.com/office/powerpoint/2012/main" xmlns:ahyp="http://schemas.microsoft.com/office/drawing/2018/hyperlinkcolor" xmlns:go="http://customooxmlschemas.google.com/" r:id="rId16" roundtripDataSignature="AMtx7mhWfYKMs6H9EwYAANNxL/XJHINBbA=="/>
     </p:ext>
   </p:extLst>
 </p:presentation>
@@ -1419,8 +1422,8 @@
         </p:nvSpPr>
         <p:spPr>
           <a:xfrm>
-            <a:off x="1143225" y="685800"/>
-            <a:ext cx="4572300" cy="3429000"/>
+            <a:off x="381000" y="685800"/>
+            <a:ext cx="6096000" cy="3429000"/>
           </a:xfrm>
           <a:custGeom>
             <a:avLst/>
@@ -1523,8 +1526,8 @@
         </p:nvSpPr>
         <p:spPr>
           <a:xfrm>
-            <a:off x="1143225" y="685800"/>
-            <a:ext cx="4572300" cy="3429000"/>
+            <a:off x="381000" y="685800"/>
+            <a:ext cx="6096000" cy="3429000"/>
           </a:xfrm>
           <a:custGeom>
             <a:avLst/>
@@ -1627,8 +1630,8 @@
         </p:nvSpPr>
         <p:spPr>
           <a:xfrm>
-            <a:off x="1143225" y="685800"/>
-            <a:ext cx="4572300" cy="3429000"/>
+            <a:off x="381000" y="685800"/>
+            <a:ext cx="6096000" cy="3429000"/>
           </a:xfrm>
           <a:custGeom>
             <a:avLst/>
@@ -1731,8 +1734,8 @@
         </p:nvSpPr>
         <p:spPr>
           <a:xfrm>
-            <a:off x="1143225" y="685800"/>
-            <a:ext cx="4572300" cy="3429000"/>
+            <a:off x="381000" y="685800"/>
+            <a:ext cx="6096000" cy="3429000"/>
           </a:xfrm>
           <a:custGeom>
             <a:avLst/>
@@ -1835,8 +1838,8 @@
         </p:nvSpPr>
         <p:spPr>
           <a:xfrm>
-            <a:off x="1143225" y="685800"/>
-            <a:ext cx="4572300" cy="3429000"/>
+            <a:off x="381000" y="685800"/>
+            <a:ext cx="6096000" cy="3429000"/>
           </a:xfrm>
           <a:custGeom>
             <a:avLst/>
@@ -7564,11 +7567,17 @@
         <p:nvGraphicFramePr>
           <p:cNvPr id="51" name="Google Shape;51;g3101c4a64f0_0_15"/>
           <p:cNvGraphicFramePr/>
-          <p:nvPr/>
+          <p:nvPr>
+            <p:extLst>
+              <p:ext uri="{D42A27DB-BD31-4B8C-83A1-F6EECF244321}">
+                <p14:modId xmlns:p14="http://schemas.microsoft.com/office/powerpoint/2010/main" val="176008142"/>
+              </p:ext>
+            </p:extLst>
+          </p:nvPr>
         </p:nvGraphicFramePr>
         <p:xfrm>
           <a:off x="952500" y="1300150"/>
-          <a:ext cx="3000000" cy="3000000"/>
+          <a:ext cx="10287000" cy="4805262"/>
         </p:xfrm>
         <a:graphic>
           <a:graphicData uri="http://schemas.openxmlformats.org/drawingml/2006/table">
@@ -7955,7 +7964,7 @@
                       <a:headEnd type="none" w="sm" len="sm"/>
                       <a:tailEnd type="none" w="sm" len="sm"/>
                     </a:lnT>
-                    <a:lnB w="7625" cap="flat" cmpd="sng">
+                    <a:lnB w="7625" cap="flat" cmpd="sng" algn="ctr">
                       <a:solidFill>
                         <a:srgbClr val="CCCCCC"/>
                       </a:solidFill>
@@ -8018,7 +8027,7 @@
                       <a:headEnd type="none" w="sm" len="sm"/>
                       <a:tailEnd type="none" w="sm" len="sm"/>
                     </a:lnT>
-                    <a:lnB w="7625" cap="flat" cmpd="sng">
+                    <a:lnB w="7625" cap="flat" cmpd="sng" algn="ctr">
                       <a:solidFill>
                         <a:srgbClr val="CCCCCC"/>
                       </a:solidFill>
@@ -8081,7 +8090,7 @@
                       <a:headEnd type="none" w="sm" len="sm"/>
                       <a:tailEnd type="none" w="sm" len="sm"/>
                     </a:lnT>
-                    <a:lnB w="7625" cap="flat" cmpd="sng">
+                    <a:lnB w="7625" cap="flat" cmpd="sng" algn="ctr">
                       <a:solidFill>
                         <a:srgbClr val="CCCCCC"/>
                       </a:solidFill>
@@ -8110,10 +8119,10 @@
                         <a:buNone/>
                       </a:pPr>
                       <a:r>
-                        <a:rPr lang="en-US"/>
+                        <a:rPr lang="en-US" dirty="0"/>
                         <a:t>Stock price charts</a:t>
                       </a:r>
-                      <a:endParaRPr/>
+                      <a:endParaRPr dirty="0"/>
                     </a:p>
                   </a:txBody>
                   <a:tcPr marL="91425" marR="91425" marT="19050" marB="19050" anchor="ctr">
@@ -8144,7 +8153,7 @@
                       <a:headEnd type="none" w="sm" len="sm"/>
                       <a:tailEnd type="none" w="sm" len="sm"/>
                     </a:lnT>
-                    <a:lnB w="7625" cap="flat" cmpd="sng">
+                    <a:lnB w="7625" cap="flat" cmpd="sng" algn="ctr">
                       <a:solidFill>
                         <a:srgbClr val="CCCCCC"/>
                       </a:solidFill>
@@ -8180,10 +8189,10 @@
                         <a:buNone/>
                       </a:pPr>
                       <a:r>
-                        <a:rPr lang="en-US"/>
+                        <a:rPr lang="en-US" dirty="0"/>
                         <a:t>2</a:t>
                       </a:r>
-                      <a:endParaRPr/>
+                      <a:endParaRPr dirty="0"/>
                     </a:p>
                   </a:txBody>
                   <a:tcPr marL="28575" marR="28575" marT="19050" marB="19050" anchor="ctr">
@@ -8196,7 +8205,7 @@
                       <a:headEnd type="none" w="sm" len="sm"/>
                       <a:tailEnd type="none" w="sm" len="sm"/>
                     </a:lnL>
-                    <a:lnR w="7625" cap="flat" cmpd="sng">
+                    <a:lnR w="7625" cap="flat" cmpd="sng" algn="ctr">
                       <a:solidFill>
                         <a:srgbClr val="CCCCCC"/>
                       </a:solidFill>
@@ -8205,7 +8214,7 @@
                       <a:headEnd type="none" w="sm" len="sm"/>
                       <a:tailEnd type="none" w="sm" len="sm"/>
                     </a:lnR>
-                    <a:lnT w="7625" cap="flat" cmpd="sng">
+                    <a:lnT w="7625" cap="flat" cmpd="sng" algn="ctr">
                       <a:solidFill>
                         <a:srgbClr val="CCCCCC"/>
                       </a:solidFill>
@@ -8250,7 +8259,7 @@
                     </a:p>
                   </a:txBody>
                   <a:tcPr marL="28575" marR="28575" marT="19050" marB="19050" anchor="ctr">
-                    <a:lnL w="7625" cap="flat" cmpd="sng">
+                    <a:lnL w="7625" cap="flat" cmpd="sng" algn="ctr">
                       <a:solidFill>
                         <a:srgbClr val="CCCCCC"/>
                       </a:solidFill>
@@ -8259,7 +8268,7 @@
                       <a:headEnd type="none" w="sm" len="sm"/>
                       <a:tailEnd type="none" w="sm" len="sm"/>
                     </a:lnL>
-                    <a:lnR w="7625" cap="flat" cmpd="sng">
+                    <a:lnR w="7625" cap="flat" cmpd="sng" algn="ctr">
                       <a:solidFill>
                         <a:srgbClr val="CCCCCC"/>
                       </a:solidFill>
@@ -8268,7 +8277,7 @@
                       <a:headEnd type="none" w="sm" len="sm"/>
                       <a:tailEnd type="none" w="sm" len="sm"/>
                     </a:lnR>
-                    <a:lnT w="7625" cap="flat" cmpd="sng">
+                    <a:lnT w="7625" cap="flat" cmpd="sng" algn="ctr">
                       <a:solidFill>
                         <a:srgbClr val="CCCCCC"/>
                       </a:solidFill>
@@ -8313,7 +8322,7 @@
                     </a:p>
                   </a:txBody>
                   <a:tcPr marL="28575" marR="28575" marT="19050" marB="19050" anchor="ctr">
-                    <a:lnL w="7625" cap="flat" cmpd="sng">
+                    <a:lnL w="7625" cap="flat" cmpd="sng" algn="ctr">
                       <a:solidFill>
                         <a:srgbClr val="CCCCCC"/>
                       </a:solidFill>
@@ -8322,7 +8331,7 @@
                       <a:headEnd type="none" w="sm" len="sm"/>
                       <a:tailEnd type="none" w="sm" len="sm"/>
                     </a:lnL>
-                    <a:lnR w="7625" cap="flat" cmpd="sng">
+                    <a:lnR w="7625" cap="flat" cmpd="sng" algn="ctr">
                       <a:solidFill>
                         <a:srgbClr val="CCCCCC"/>
                       </a:solidFill>
@@ -8331,7 +8340,7 @@
                       <a:headEnd type="none" w="sm" len="sm"/>
                       <a:tailEnd type="none" w="sm" len="sm"/>
                     </a:lnR>
-                    <a:lnT w="7625" cap="flat" cmpd="sng">
+                    <a:lnT w="7625" cap="flat" cmpd="sng" algn="ctr">
                       <a:solidFill>
                         <a:srgbClr val="CCCCCC"/>
                       </a:solidFill>
@@ -8369,14 +8378,14 @@
                         <a:buNone/>
                       </a:pPr>
                       <a:r>
-                        <a:rPr lang="en-US"/>
+                        <a:rPr lang="en-US" dirty="0"/>
                         <a:t>Sales by region</a:t>
                       </a:r>
-                      <a:endParaRPr/>
+                      <a:endParaRPr dirty="0"/>
                     </a:p>
                   </a:txBody>
                   <a:tcPr marL="28575" marR="28575" marT="19050" marB="19050" anchor="ctr">
-                    <a:lnL w="7625" cap="flat" cmpd="sng">
+                    <a:lnL w="7625" cap="flat" cmpd="sng" algn="ctr">
                       <a:solidFill>
                         <a:srgbClr val="CCCCCC"/>
                       </a:solidFill>
@@ -8387,14 +8396,14 @@
                     </a:lnL>
                     <a:lnR w="7625" cap="flat" cmpd="sng">
                       <a:solidFill>
-                        <a:srgbClr val="CCCCCC"/>
+                        <a:srgbClr val="000000"/>
                       </a:solidFill>
                       <a:prstDash val="solid"/>
                       <a:round/>
                       <a:headEnd type="none" w="sm" len="sm"/>
                       <a:tailEnd type="none" w="sm" len="sm"/>
                     </a:lnR>
-                    <a:lnT w="7625" cap="flat" cmpd="sng">
+                    <a:lnT w="7625" cap="flat" cmpd="sng" algn="ctr">
                       <a:solidFill>
                         <a:srgbClr val="CCCCCC"/>
                       </a:solidFill>
@@ -8416,7 +8425,7 @@
                 </a:tc>
                 <a:extLst>
                   <a:ext uri="{0D108BD9-81ED-4DB2-BD59-A6C34878D82A}">
-                    <a16:rowId xmlns:a16="http://schemas.microsoft.com/office/drawing/2014/main" val="10002"/>
+                    <a16:rowId xmlns:a16="http://schemas.microsoft.com/office/drawing/2014/main" val="1277981579"/>
                   </a:ext>
                 </a:extLst>
               </a:tr>
@@ -8455,7 +8464,7 @@
                       <a:headEnd type="none" w="sm" len="sm"/>
                       <a:tailEnd type="none" w="sm" len="sm"/>
                     </a:lnL>
-                    <a:lnR w="7625" cap="flat" cmpd="sng">
+                    <a:lnR w="7625" cap="flat" cmpd="sng" algn="ctr">
                       <a:solidFill>
                         <a:srgbClr val="CCCCCC"/>
                       </a:solidFill>
@@ -8464,7 +8473,7 @@
                       <a:headEnd type="none" w="sm" len="sm"/>
                       <a:tailEnd type="none" w="sm" len="sm"/>
                     </a:lnR>
-                    <a:lnT w="7625" cap="flat" cmpd="sng">
+                    <a:lnT w="7625" cap="flat" cmpd="sng" algn="ctr">
                       <a:solidFill>
                         <a:srgbClr val="CCCCCC"/>
                       </a:solidFill>
@@ -8509,7 +8518,7 @@
                     </a:p>
                   </a:txBody>
                   <a:tcPr marL="28575" marR="28575" marT="19050" marB="19050" anchor="ctr">
-                    <a:lnL w="7625" cap="flat" cmpd="sng">
+                    <a:lnL w="7625" cap="flat" cmpd="sng" algn="ctr">
                       <a:solidFill>
                         <a:srgbClr val="CCCCCC"/>
                       </a:solidFill>
@@ -8518,7 +8527,7 @@
                       <a:headEnd type="none" w="sm" len="sm"/>
                       <a:tailEnd type="none" w="sm" len="sm"/>
                     </a:lnL>
-                    <a:lnR w="7625" cap="flat" cmpd="sng">
+                    <a:lnR w="7625" cap="flat" cmpd="sng" algn="ctr">
                       <a:solidFill>
                         <a:srgbClr val="CCCCCC"/>
                       </a:solidFill>
@@ -8527,7 +8536,7 @@
                       <a:headEnd type="none" w="sm" len="sm"/>
                       <a:tailEnd type="none" w="sm" len="sm"/>
                     </a:lnR>
-                    <a:lnT w="7625" cap="flat" cmpd="sng">
+                    <a:lnT w="7625" cap="flat" cmpd="sng" algn="ctr">
                       <a:solidFill>
                         <a:srgbClr val="CCCCCC"/>
                       </a:solidFill>
@@ -8572,7 +8581,7 @@
                     </a:p>
                   </a:txBody>
                   <a:tcPr marL="28575" marR="28575" marT="19050" marB="19050" anchor="ctr">
-                    <a:lnL w="7625" cap="flat" cmpd="sng">
+                    <a:lnL w="7625" cap="flat" cmpd="sng" algn="ctr">
                       <a:solidFill>
                         <a:srgbClr val="CCCCCC"/>
                       </a:solidFill>
@@ -8581,7 +8590,7 @@
                       <a:headEnd type="none" w="sm" len="sm"/>
                       <a:tailEnd type="none" w="sm" len="sm"/>
                     </a:lnL>
-                    <a:lnR w="7625" cap="flat" cmpd="sng">
+                    <a:lnR w="7625" cap="flat" cmpd="sng" algn="ctr">
                       <a:solidFill>
                         <a:srgbClr val="CCCCCC"/>
                       </a:solidFill>
@@ -8590,7 +8599,7 @@
                       <a:headEnd type="none" w="sm" len="sm"/>
                       <a:tailEnd type="none" w="sm" len="sm"/>
                     </a:lnR>
-                    <a:lnT w="7625" cap="flat" cmpd="sng">
+                    <a:lnT w="7625" cap="flat" cmpd="sng" algn="ctr">
                       <a:solidFill>
                         <a:srgbClr val="CCCCCC"/>
                       </a:solidFill>
@@ -8628,14 +8637,14 @@
                         <a:buNone/>
                       </a:pPr>
                       <a:r>
-                        <a:rPr lang="en-US"/>
+                        <a:rPr lang="en-US" dirty="0"/>
                         <a:t>Market share distribution</a:t>
                       </a:r>
-                      <a:endParaRPr/>
+                      <a:endParaRPr dirty="0"/>
                     </a:p>
                   </a:txBody>
                   <a:tcPr marL="91425" marR="91425" marT="19050" marB="19050" anchor="ctr">
-                    <a:lnL w="7625" cap="flat" cmpd="sng">
+                    <a:lnL w="7625" cap="flat" cmpd="sng" algn="ctr">
                       <a:solidFill>
                         <a:srgbClr val="CCCCCC"/>
                       </a:solidFill>
@@ -8653,7 +8662,7 @@
                       <a:headEnd type="none" w="sm" len="sm"/>
                       <a:tailEnd type="none" w="sm" len="sm"/>
                     </a:lnR>
-                    <a:lnT w="7625" cap="flat" cmpd="sng">
+                    <a:lnT w="7625" cap="flat" cmpd="sng" algn="ctr">
                       <a:solidFill>
                         <a:srgbClr val="CCCCCC"/>
                       </a:solidFill>
@@ -9509,7 +9518,7 @@
                       <a:headEnd type="none" w="sm" len="sm"/>
                       <a:tailEnd type="none" w="sm" len="sm"/>
                     </a:lnT>
-                    <a:lnB w="7625" cap="flat" cmpd="sng">
+                    <a:lnB w="7625" cap="flat" cmpd="sng" algn="ctr">
                       <a:solidFill>
                         <a:srgbClr val="CCCCCC"/>
                       </a:solidFill>
@@ -9572,7 +9581,7 @@
                       <a:headEnd type="none" w="sm" len="sm"/>
                       <a:tailEnd type="none" w="sm" len="sm"/>
                     </a:lnT>
-                    <a:lnB w="7625" cap="flat" cmpd="sng">
+                    <a:lnB w="7625" cap="flat" cmpd="sng" algn="ctr">
                       <a:solidFill>
                         <a:srgbClr val="CCCCCC"/>
                       </a:solidFill>
@@ -9635,7 +9644,7 @@
                       <a:headEnd type="none" w="sm" len="sm"/>
                       <a:tailEnd type="none" w="sm" len="sm"/>
                     </a:lnT>
-                    <a:lnB w="7625" cap="flat" cmpd="sng">
+                    <a:lnB w="7625" cap="flat" cmpd="sng" algn="ctr">
                       <a:solidFill>
                         <a:srgbClr val="CCCCCC"/>
                       </a:solidFill>
@@ -9664,10 +9673,10 @@
                         <a:buNone/>
                       </a:pPr>
                       <a:r>
-                        <a:rPr lang="en-US"/>
+                        <a:rPr lang="en-US" dirty="0"/>
                         <a:t>Population density maps</a:t>
                       </a:r>
-                      <a:endParaRPr/>
+                      <a:endParaRPr dirty="0"/>
                     </a:p>
                   </a:txBody>
                   <a:tcPr marL="91425" marR="91425" marT="19050" marB="19050" anchor="ctr">
@@ -9698,7 +9707,7 @@
                       <a:headEnd type="none" w="sm" len="sm"/>
                       <a:tailEnd type="none" w="sm" len="sm"/>
                     </a:lnT>
-                    <a:lnB w="7625" cap="flat" cmpd="sng">
+                    <a:lnB w="7625" cap="flat" cmpd="sng" algn="ctr">
                       <a:solidFill>
                         <a:srgbClr val="CCCCCC"/>
                       </a:solidFill>
@@ -9750,7 +9759,7 @@
                       <a:headEnd type="none" w="sm" len="sm"/>
                       <a:tailEnd type="none" w="sm" len="sm"/>
                     </a:lnL>
-                    <a:lnR w="7625" cap="flat" cmpd="sng">
+                    <a:lnR w="7625" cap="flat" cmpd="sng" algn="ctr">
                       <a:solidFill>
                         <a:srgbClr val="CCCCCC"/>
                       </a:solidFill>
@@ -9759,7 +9768,7 @@
                       <a:headEnd type="none" w="sm" len="sm"/>
                       <a:tailEnd type="none" w="sm" len="sm"/>
                     </a:lnR>
-                    <a:lnT w="7625" cap="flat" cmpd="sng">
+                    <a:lnT w="7625" cap="flat" cmpd="sng" algn="ctr">
                       <a:solidFill>
                         <a:srgbClr val="CCCCCC"/>
                       </a:solidFill>
@@ -9804,7 +9813,7 @@
                     </a:p>
                   </a:txBody>
                   <a:tcPr marL="28575" marR="28575" marT="19050" marB="19050" anchor="ctr">
-                    <a:lnL w="7625" cap="flat" cmpd="sng">
+                    <a:lnL w="7625" cap="flat" cmpd="sng" algn="ctr">
                       <a:solidFill>
                         <a:srgbClr val="CCCCCC"/>
                       </a:solidFill>
@@ -9813,7 +9822,7 @@
                       <a:headEnd type="none" w="sm" len="sm"/>
                       <a:tailEnd type="none" w="sm" len="sm"/>
                     </a:lnL>
-                    <a:lnR w="7625" cap="flat" cmpd="sng">
+                    <a:lnR w="7625" cap="flat" cmpd="sng" algn="ctr">
                       <a:solidFill>
                         <a:srgbClr val="CCCCCC"/>
                       </a:solidFill>
@@ -9822,7 +9831,7 @@
                       <a:headEnd type="none" w="sm" len="sm"/>
                       <a:tailEnd type="none" w="sm" len="sm"/>
                     </a:lnR>
-                    <a:lnT w="7625" cap="flat" cmpd="sng">
+                    <a:lnT w="7625" cap="flat" cmpd="sng" algn="ctr">
                       <a:solidFill>
                         <a:srgbClr val="CCCCCC"/>
                       </a:solidFill>
@@ -9867,7 +9876,7 @@
                     </a:p>
                   </a:txBody>
                   <a:tcPr marL="28575" marR="28575" marT="19050" marB="19050" anchor="ctr">
-                    <a:lnL w="7625" cap="flat" cmpd="sng">
+                    <a:lnL w="7625" cap="flat" cmpd="sng" algn="ctr">
                       <a:solidFill>
                         <a:srgbClr val="CCCCCC"/>
                       </a:solidFill>
@@ -9876,7 +9885,7 @@
                       <a:headEnd type="none" w="sm" len="sm"/>
                       <a:tailEnd type="none" w="sm" len="sm"/>
                     </a:lnL>
-                    <a:lnR w="7625" cap="flat" cmpd="sng">
+                    <a:lnR w="7625" cap="flat" cmpd="sng" algn="ctr">
                       <a:solidFill>
                         <a:srgbClr val="CCCCCC"/>
                       </a:solidFill>
@@ -9885,7 +9894,7 @@
                       <a:headEnd type="none" w="sm" len="sm"/>
                       <a:tailEnd type="none" w="sm" len="sm"/>
                     </a:lnR>
-                    <a:lnT w="7625" cap="flat" cmpd="sng">
+                    <a:lnT w="7625" cap="flat" cmpd="sng" algn="ctr">
                       <a:solidFill>
                         <a:srgbClr val="CCCCCC"/>
                       </a:solidFill>
@@ -9923,14 +9932,14 @@
                         <a:buNone/>
                       </a:pPr>
                       <a:r>
-                        <a:rPr lang="en-US"/>
+                        <a:rPr lang="en-US" dirty="0"/>
                         <a:t>Social networks</a:t>
                       </a:r>
-                      <a:endParaRPr/>
+                      <a:endParaRPr dirty="0"/>
                     </a:p>
                   </a:txBody>
                   <a:tcPr marL="28575" marR="28575" marT="19050" marB="19050" anchor="ctr">
-                    <a:lnL w="7625" cap="flat" cmpd="sng">
+                    <a:lnL w="7625" cap="flat" cmpd="sng" algn="ctr">
                       <a:solidFill>
                         <a:srgbClr val="CCCCCC"/>
                       </a:solidFill>
@@ -9941,14 +9950,14 @@
                     </a:lnL>
                     <a:lnR w="7625" cap="flat" cmpd="sng">
                       <a:solidFill>
-                        <a:srgbClr val="CCCCCC"/>
+                        <a:srgbClr val="000000"/>
                       </a:solidFill>
                       <a:prstDash val="solid"/>
                       <a:round/>
                       <a:headEnd type="none" w="sm" len="sm"/>
                       <a:tailEnd type="none" w="sm" len="sm"/>
                     </a:lnR>
-                    <a:lnT w="7625" cap="flat" cmpd="sng">
+                    <a:lnT w="7625" cap="flat" cmpd="sng" algn="ctr">
                       <a:solidFill>
                         <a:srgbClr val="CCCCCC"/>
                       </a:solidFill>
@@ -9970,7 +9979,7 @@
                 </a:tc>
                 <a:extLst>
                   <a:ext uri="{0D108BD9-81ED-4DB2-BD59-A6C34878D82A}">
-                    <a16:rowId xmlns:a16="http://schemas.microsoft.com/office/drawing/2014/main" val="10008"/>
+                    <a16:rowId xmlns:a16="http://schemas.microsoft.com/office/drawing/2014/main" val="1163615030"/>
                   </a:ext>
                 </a:extLst>
               </a:tr>
@@ -10009,7 +10018,7 @@
                       <a:headEnd type="none" w="sm" len="sm"/>
                       <a:tailEnd type="none" w="sm" len="sm"/>
                     </a:lnL>
-                    <a:lnR w="7625" cap="flat" cmpd="sng">
+                    <a:lnR w="7625" cap="flat" cmpd="sng" algn="ctr">
                       <a:solidFill>
                         <a:srgbClr val="CCCCCC"/>
                       </a:solidFill>
@@ -10018,7 +10027,7 @@
                       <a:headEnd type="none" w="sm" len="sm"/>
                       <a:tailEnd type="none" w="sm" len="sm"/>
                     </a:lnR>
-                    <a:lnT w="7625" cap="flat" cmpd="sng">
+                    <a:lnT w="7625" cap="flat" cmpd="sng" algn="ctr">
                       <a:solidFill>
                         <a:srgbClr val="CCCCCC"/>
                       </a:solidFill>
@@ -10063,7 +10072,7 @@
                     </a:p>
                   </a:txBody>
                   <a:tcPr marL="28575" marR="28575" marT="19050" marB="19050" anchor="ctr">
-                    <a:lnL w="7625" cap="flat" cmpd="sng">
+                    <a:lnL w="7625" cap="flat" cmpd="sng" algn="ctr">
                       <a:solidFill>
                         <a:srgbClr val="CCCCCC"/>
                       </a:solidFill>
@@ -10072,7 +10081,7 @@
                       <a:headEnd type="none" w="sm" len="sm"/>
                       <a:tailEnd type="none" w="sm" len="sm"/>
                     </a:lnL>
-                    <a:lnR w="7625" cap="flat" cmpd="sng">
+                    <a:lnR w="7625" cap="flat" cmpd="sng" algn="ctr">
                       <a:solidFill>
                         <a:srgbClr val="CCCCCC"/>
                       </a:solidFill>
@@ -10081,7 +10090,7 @@
                       <a:headEnd type="none" w="sm" len="sm"/>
                       <a:tailEnd type="none" w="sm" len="sm"/>
                     </a:lnR>
-                    <a:lnT w="7625" cap="flat" cmpd="sng">
+                    <a:lnT w="7625" cap="flat" cmpd="sng" algn="ctr">
                       <a:solidFill>
                         <a:srgbClr val="CCCCCC"/>
                       </a:solidFill>
@@ -10126,7 +10135,7 @@
                     </a:p>
                   </a:txBody>
                   <a:tcPr marL="28575" marR="28575" marT="19050" marB="19050" anchor="ctr">
-                    <a:lnL w="7625" cap="flat" cmpd="sng">
+                    <a:lnL w="7625" cap="flat" cmpd="sng" algn="ctr">
                       <a:solidFill>
                         <a:srgbClr val="CCCCCC"/>
                       </a:solidFill>
@@ -10135,7 +10144,7 @@
                       <a:headEnd type="none" w="sm" len="sm"/>
                       <a:tailEnd type="none" w="sm" len="sm"/>
                     </a:lnL>
-                    <a:lnR w="7625" cap="flat" cmpd="sng">
+                    <a:lnR w="7625" cap="flat" cmpd="sng" algn="ctr">
                       <a:solidFill>
                         <a:srgbClr val="CCCCCC"/>
                       </a:solidFill>
@@ -10144,7 +10153,7 @@
                       <a:headEnd type="none" w="sm" len="sm"/>
                       <a:tailEnd type="none" w="sm" len="sm"/>
                     </a:lnR>
-                    <a:lnT w="7625" cap="flat" cmpd="sng">
+                    <a:lnT w="7625" cap="flat" cmpd="sng" algn="ctr">
                       <a:solidFill>
                         <a:srgbClr val="CCCCCC"/>
                       </a:solidFill>
@@ -10182,14 +10191,14 @@
                         <a:buNone/>
                       </a:pPr>
                       <a:r>
-                        <a:rPr lang="en-US"/>
+                        <a:rPr lang="en-US" dirty="0"/>
                         <a:t>File system structure</a:t>
                       </a:r>
-                      <a:endParaRPr/>
+                      <a:endParaRPr dirty="0"/>
                     </a:p>
                   </a:txBody>
                   <a:tcPr marL="91425" marR="91425" marT="19050" marB="19050" anchor="ctr">
-                    <a:lnL w="7625" cap="flat" cmpd="sng">
+                    <a:lnL w="7625" cap="flat" cmpd="sng" algn="ctr">
                       <a:solidFill>
                         <a:srgbClr val="CCCCCC"/>
                       </a:solidFill>
@@ -10207,7 +10216,7 @@
                       <a:headEnd type="none" w="sm" len="sm"/>
                       <a:tailEnd type="none" w="sm" len="sm"/>
                     </a:lnR>
-                    <a:lnT w="7625" cap="flat" cmpd="sng">
+                    <a:lnT w="7625" cap="flat" cmpd="sng" algn="ctr">
                       <a:solidFill>
                         <a:srgbClr val="CCCCCC"/>
                       </a:solidFill>
@@ -10441,10 +10450,10 @@
                         <a:buNone/>
                       </a:pPr>
                       <a:r>
-                        <a:rPr lang="en-US"/>
+                        <a:rPr lang="en-US" dirty="0"/>
                         <a:t>Income distribution</a:t>
                       </a:r>
-                      <a:endParaRPr/>
+                      <a:endParaRPr dirty="0"/>
                     </a:p>
                   </a:txBody>
                   <a:tcPr marL="91425" marR="91425" marT="19050" marB="19050" anchor="ctr">
@@ -10496,137 +10505,11 @@
           </a:graphicData>
         </a:graphic>
       </p:graphicFrame>
-      <p:sp>
-        <p:nvSpPr>
-          <p:cNvPr id="52" name="Google Shape;52;g3101c4a64f0_0_15"/>
-          <p:cNvSpPr/>
-          <p:nvPr/>
-        </p:nvSpPr>
-        <p:spPr>
-          <a:xfrm>
-            <a:off x="1317450" y="1767175"/>
-            <a:ext cx="1696800" cy="4206000"/>
-          </a:xfrm>
-          <a:prstGeom prst="rect">
-            <a:avLst/>
-          </a:prstGeom>
-          <a:solidFill>
-            <a:schemeClr val="lt2"/>
-          </a:solidFill>
-          <a:ln w="9525" cap="flat" cmpd="sng">
-            <a:solidFill>
-              <a:schemeClr val="dk2"/>
-            </a:solidFill>
-            <a:prstDash val="solid"/>
-            <a:round/>
-            <a:headEnd type="none" w="sm" len="sm"/>
-            <a:tailEnd type="none" w="sm" len="sm"/>
-          </a:ln>
-        </p:spPr>
-        <p:txBody>
-          <a:bodyPr spcFirstLastPara="1" wrap="square" lIns="91425" tIns="91425" rIns="91425" bIns="91425" anchor="ctr" anchorCtr="0">
-            <a:noAutofit/>
-          </a:bodyPr>
-          <a:lstStyle/>
-          <a:p>
-            <a:pPr marL="0" lvl="0" indent="0" algn="ctr" rtl="0">
-              <a:spcBef>
-                <a:spcPts val="0"/>
-              </a:spcBef>
-              <a:spcAft>
-                <a:spcPts val="0"/>
-              </a:spcAft>
-              <a:buNone/>
-            </a:pPr>
-            <a:endParaRPr>
-              <a:latin typeface="Calibri"/>
-              <a:ea typeface="Calibri"/>
-              <a:cs typeface="Calibri"/>
-              <a:sym typeface="Calibri"/>
-            </a:endParaRPr>
-          </a:p>
-        </p:txBody>
-      </p:sp>
     </p:spTree>
   </p:cSld>
   <p:clrMapOvr>
     <a:masterClrMapping/>
   </p:clrMapOvr>
-  <p:timing>
-    <p:tnLst>
-      <p:par>
-        <p:cTn id="1" dur="indefinite" restart="never" nodeType="tmRoot">
-          <p:childTnLst>
-            <p:seq concurrent="1" nextAc="seek">
-              <p:cTn id="2" dur="indefinite" nodeType="mainSeq">
-                <p:childTnLst>
-                  <p:par>
-                    <p:cTn id="3" fill="hold">
-                      <p:stCondLst>
-                        <p:cond delay="indefinite"/>
-                      </p:stCondLst>
-                      <p:childTnLst>
-                        <p:par>
-                          <p:cTn id="4" fill="hold">
-                            <p:stCondLst>
-                              <p:cond delay="0"/>
-                            </p:stCondLst>
-                            <p:childTnLst>
-                              <p:par>
-                                <p:cTn id="5" presetID="1" presetClass="exit" presetSubtype="0" fill="hold" nodeType="clickEffect">
-                                  <p:stCondLst>
-                                    <p:cond delay="0"/>
-                                  </p:stCondLst>
-                                  <p:childTnLst>
-                                    <p:set>
-                                      <p:cBhvr>
-                                        <p:cTn id="6" dur="1" fill="hold">
-                                          <p:stCondLst>
-                                            <p:cond delay="0"/>
-                                          </p:stCondLst>
-                                        </p:cTn>
-                                        <p:tgtEl>
-                                          <p:spTgt spid="52"/>
-                                        </p:tgtEl>
-                                        <p:attrNameLst>
-                                          <p:attrName>style.visibility</p:attrName>
-                                        </p:attrNameLst>
-                                      </p:cBhvr>
-                                      <p:to>
-                                        <p:strVal val="hidden"/>
-                                      </p:to>
-                                    </p:set>
-                                  </p:childTnLst>
-                                </p:cTn>
-                              </p:par>
-                            </p:childTnLst>
-                          </p:cTn>
-                        </p:par>
-                      </p:childTnLst>
-                    </p:cTn>
-                  </p:par>
-                </p:childTnLst>
-              </p:cTn>
-              <p:prevCondLst>
-                <p:cond evt="onPrev" delay="0">
-                  <p:tgtEl>
-                    <p:sldTgt/>
-                  </p:tgtEl>
-                </p:cond>
-              </p:prevCondLst>
-              <p:nextCondLst>
-                <p:cond evt="onNext" delay="0">
-                  <p:tgtEl>
-                    <p:sldTgt/>
-                  </p:tgtEl>
-                </p:cond>
-              </p:nextCondLst>
-            </p:seq>
-          </p:childTnLst>
-        </p:cTn>
-      </p:par>
-    </p:tnLst>
-  </p:timing>
 </p:sld>
 </file>
 
@@ -10697,44 +10580,6 @@
           </a:p>
         </p:txBody>
       </p:sp>
-      <p:sp>
-        <p:nvSpPr>
-          <p:cNvPr id="58" name="Google Shape;58;g3101c4a64f0_0_6"/>
-          <p:cNvSpPr txBox="1">
-            <a:spLocks noGrp="1"/>
-          </p:cNvSpPr>
-          <p:nvPr>
-            <p:ph type="body" idx="1"/>
-          </p:nvPr>
-        </p:nvSpPr>
-        <p:spPr>
-          <a:xfrm>
-            <a:off x="838200" y="1825625"/>
-            <a:ext cx="10515600" cy="4351200"/>
-          </a:xfrm>
-          <a:prstGeom prst="rect">
-            <a:avLst/>
-          </a:prstGeom>
-        </p:spPr>
-        <p:txBody>
-          <a:bodyPr spcFirstLastPara="1" wrap="square" lIns="91425" tIns="45700" rIns="91425" bIns="45700" anchor="t" anchorCtr="0">
-            <a:normAutofit/>
-          </a:bodyPr>
-          <a:lstStyle/>
-          <a:p>
-            <a:pPr marL="0" lvl="0" indent="0" algn="l" rtl="0">
-              <a:spcBef>
-                <a:spcPts val="1000"/>
-              </a:spcBef>
-              <a:spcAft>
-                <a:spcPts val="0"/>
-              </a:spcAft>
-              <a:buNone/>
-            </a:pPr>
-            <a:endParaRPr/>
-          </a:p>
-        </p:txBody>
-      </p:sp>
       <p:graphicFrame>
         <p:nvGraphicFramePr>
           <p:cNvPr id="59" name="Google Shape;59;g3101c4a64f0_0_6"/>
@@ -10743,7 +10588,7 @@
         </p:nvGraphicFramePr>
         <p:xfrm>
           <a:off x="952500" y="1749550"/>
-          <a:ext cx="3000000" cy="3000000"/>
+          <a:ext cx="9595850" cy="3514600"/>
         </p:xfrm>
         <a:graphic>
           <a:graphicData uri="http://schemas.openxmlformats.org/drawingml/2006/table">
@@ -11409,7 +11254,7 @@
         </p:nvGraphicFramePr>
         <p:xfrm>
           <a:off x="952500" y="1615875"/>
-          <a:ext cx="3000000" cy="3000000"/>
+          <a:ext cx="10401300" cy="4358774"/>
         </p:xfrm>
         <a:graphic>
           <a:graphicData uri="http://schemas.openxmlformats.org/drawingml/2006/table">
@@ -12379,7 +12224,7 @@
         </p:nvGraphicFramePr>
         <p:xfrm>
           <a:off x="838200" y="1472725"/>
-          <a:ext cx="3000000" cy="3000000"/>
+          <a:ext cx="10287000" cy="4264801"/>
         </p:xfrm>
         <a:graphic>
           <a:graphicData uri="http://schemas.openxmlformats.org/drawingml/2006/table">
@@ -14062,7 +13907,7 @@
         </p:spPr>
         <p:txBody>
           <a:bodyPr spcFirstLastPara="1" wrap="square" lIns="91425" tIns="45700" rIns="91425" bIns="45700" anchor="t" anchorCtr="0">
-            <a:normAutofit lnSpcReduction="10000"/>
+            <a:normAutofit fontScale="92500" lnSpcReduction="10000"/>
           </a:bodyPr>
           <a:lstStyle/>
           <a:p>

--- a/Gandhinagar/Sem_1/S4_FDSML - Fundamentals of Data Science and Machine Learning/FDSML_Notes/Unit_5.pptx
+++ b/Gandhinagar/Sem_1/S4_FDSML - Fundamentals of Data Science and Machine Learning/FDSML_Notes/Unit_5.pptx
@@ -255,7 +255,7 @@
       <p15:sldGuideLst xmlns:p15="http://schemas.microsoft.com/office/powerpoint/2012/main"/>
     </p:ext>
     <p:ext uri="GoogleSlidesCustomDataVersion2">
-      <go:slidesCustomData xmlns="" xmlns:mc="http://schemas.openxmlformats.org/markup-compatibility/2006" xmlns:mv="urn:schemas-microsoft-com:mac:vml" xmlns:c="http://schemas.openxmlformats.org/drawingml/2006/chart" xmlns:dgm="http://schemas.openxmlformats.org/drawingml/2006/diagram" xmlns:o="urn:schemas-microsoft-com:office:office" xmlns:v="urn:schemas-microsoft-com:vml" xmlns:pvml="urn:schemas-microsoft-com:office:powerpoint" xmlns:com="http://schemas.openxmlformats.org/drawingml/2006/compatibility" xmlns:p14="http://schemas.microsoft.com/office/powerpoint/2010/main" xmlns:p15="http://schemas.microsoft.com/office/powerpoint/2012/main" xmlns:ahyp="http://schemas.microsoft.com/office/drawing/2018/hyperlinkcolor" xmlns:go="http://customooxmlschemas.google.com/" r:id="rId16" roundtripDataSignature="AMtx7mhWfYKMs6H9EwYAANNxL/XJHINBbA=="/>
+      <go:slidesCustomData xmlns:go="http://customooxmlschemas.google.com/" xmlns:ahyp="http://schemas.microsoft.com/office/drawing/2018/hyperlinkcolor" xmlns:p15="http://schemas.microsoft.com/office/powerpoint/2012/main" xmlns:p14="http://schemas.microsoft.com/office/powerpoint/2010/main" xmlns:com="http://schemas.openxmlformats.org/drawingml/2006/compatibility" xmlns:pvml="urn:schemas-microsoft-com:office:powerpoint" xmlns:v="urn:schemas-microsoft-com:vml" xmlns:o="urn:schemas-microsoft-com:office:office" xmlns:dgm="http://schemas.openxmlformats.org/drawingml/2006/diagram" xmlns:c="http://schemas.openxmlformats.org/drawingml/2006/chart" xmlns:mv="urn:schemas-microsoft-com:mac:vml" xmlns:mc="http://schemas.openxmlformats.org/markup-compatibility/2006" xmlns="" r:id="rId16" roundtripDataSignature="AMtx7mhWfYKMs6H9EwYAANNxL/XJHINBbA=="/>
     </p:ext>
   </p:extLst>
 </p:presentation>
@@ -13693,137 +13693,11 @@
           </a:ln>
         </p:spPr>
       </p:pic>
-      <p:sp>
-        <p:nvSpPr>
-          <p:cNvPr id="74" name="Google Shape;74;g3101c4a64f0_0_44"/>
-          <p:cNvSpPr/>
-          <p:nvPr/>
-        </p:nvSpPr>
-        <p:spPr>
-          <a:xfrm>
-            <a:off x="838200" y="2032100"/>
-            <a:ext cx="1718100" cy="3697200"/>
-          </a:xfrm>
-          <a:prstGeom prst="rect">
-            <a:avLst/>
-          </a:prstGeom>
-          <a:solidFill>
-            <a:schemeClr val="lt2"/>
-          </a:solidFill>
-          <a:ln w="9525" cap="flat" cmpd="sng">
-            <a:solidFill>
-              <a:schemeClr val="dk2"/>
-            </a:solidFill>
-            <a:prstDash val="solid"/>
-            <a:round/>
-            <a:headEnd type="none" w="sm" len="sm"/>
-            <a:tailEnd type="none" w="sm" len="sm"/>
-          </a:ln>
-        </p:spPr>
-        <p:txBody>
-          <a:bodyPr spcFirstLastPara="1" wrap="square" lIns="91425" tIns="91425" rIns="91425" bIns="91425" anchor="ctr" anchorCtr="0">
-            <a:noAutofit/>
-          </a:bodyPr>
-          <a:lstStyle/>
-          <a:p>
-            <a:pPr marL="0" lvl="0" indent="0" algn="ctr" rtl="0">
-              <a:spcBef>
-                <a:spcPts val="0"/>
-              </a:spcBef>
-              <a:spcAft>
-                <a:spcPts val="0"/>
-              </a:spcAft>
-              <a:buNone/>
-            </a:pPr>
-            <a:endParaRPr>
-              <a:latin typeface="Calibri"/>
-              <a:ea typeface="Calibri"/>
-              <a:cs typeface="Calibri"/>
-              <a:sym typeface="Calibri"/>
-            </a:endParaRPr>
-          </a:p>
-        </p:txBody>
-      </p:sp>
     </p:spTree>
   </p:cSld>
   <p:clrMapOvr>
     <a:masterClrMapping/>
   </p:clrMapOvr>
-  <p:timing>
-    <p:tnLst>
-      <p:par>
-        <p:cTn id="1" dur="indefinite" restart="never" nodeType="tmRoot">
-          <p:childTnLst>
-            <p:seq concurrent="1" nextAc="seek">
-              <p:cTn id="2" dur="indefinite" nodeType="mainSeq">
-                <p:childTnLst>
-                  <p:par>
-                    <p:cTn id="3" fill="hold">
-                      <p:stCondLst>
-                        <p:cond delay="indefinite"/>
-                      </p:stCondLst>
-                      <p:childTnLst>
-                        <p:par>
-                          <p:cTn id="4" fill="hold">
-                            <p:stCondLst>
-                              <p:cond delay="0"/>
-                            </p:stCondLst>
-                            <p:childTnLst>
-                              <p:par>
-                                <p:cTn id="5" presetID="1" presetClass="exit" presetSubtype="0" fill="hold" nodeType="clickEffect">
-                                  <p:stCondLst>
-                                    <p:cond delay="0"/>
-                                  </p:stCondLst>
-                                  <p:childTnLst>
-                                    <p:set>
-                                      <p:cBhvr>
-                                        <p:cTn id="6" dur="1" fill="hold">
-                                          <p:stCondLst>
-                                            <p:cond delay="0"/>
-                                          </p:stCondLst>
-                                        </p:cTn>
-                                        <p:tgtEl>
-                                          <p:spTgt spid="74"/>
-                                        </p:tgtEl>
-                                        <p:attrNameLst>
-                                          <p:attrName>style.visibility</p:attrName>
-                                        </p:attrNameLst>
-                                      </p:cBhvr>
-                                      <p:to>
-                                        <p:strVal val="hidden"/>
-                                      </p:to>
-                                    </p:set>
-                                  </p:childTnLst>
-                                </p:cTn>
-                              </p:par>
-                            </p:childTnLst>
-                          </p:cTn>
-                        </p:par>
-                      </p:childTnLst>
-                    </p:cTn>
-                  </p:par>
-                </p:childTnLst>
-              </p:cTn>
-              <p:prevCondLst>
-                <p:cond evt="onPrev" delay="0">
-                  <p:tgtEl>
-                    <p:sldTgt/>
-                  </p:tgtEl>
-                </p:cond>
-              </p:prevCondLst>
-              <p:nextCondLst>
-                <p:cond evt="onNext" delay="0">
-                  <p:tgtEl>
-                    <p:sldTgt/>
-                  </p:tgtEl>
-                </p:cond>
-              </p:nextCondLst>
-            </p:seq>
-          </p:childTnLst>
-        </p:cTn>
-      </p:par>
-    </p:tnLst>
-  </p:timing>
 </p:sld>
 </file>
 
